--- a/figurer/skisser.pptx
+++ b/figurer/skisser.pptx
@@ -10,6 +10,7 @@
     <p:sldId id="273" r:id="rId4"/>
     <p:sldId id="274" r:id="rId5"/>
     <p:sldId id="275" r:id="rId6"/>
+    <p:sldId id="276" r:id="rId7"/>
   </p:sldIdLst>
   <p:sldSz cx="12192000" cy="6858000"/>
   <p:notesSz cx="6858000" cy="9144000"/>
@@ -158,10 +159,9 @@
           </a:lstStyle>
           <a:p>
             <a:r>
-              <a:rPr lang="nb-NO" smtClean="0"/>
+              <a:rPr lang="nb-NO"/>
               <a:t>Klikk for å redigere tittelstil</a:t>
             </a:r>
-            <a:endParaRPr lang="nb-NO"/>
           </a:p>
         </p:txBody>
       </p:sp>
@@ -223,10 +223,9 @@
           </a:lstStyle>
           <a:p>
             <a:r>
-              <a:rPr lang="nb-NO" smtClean="0"/>
+              <a:rPr lang="nb-NO"/>
               <a:t>Klikk for å redigere undertittelstil i malen</a:t>
             </a:r>
-            <a:endParaRPr lang="nb-NO"/>
           </a:p>
         </p:txBody>
       </p:sp>
@@ -247,7 +246,7 @@
           <a:p>
             <a:fld id="{3D956CD3-5E70-4B5B-A926-CB5A4B0078BA}" type="datetimeFigureOut">
               <a:rPr lang="nb-NO" smtClean="0"/>
-              <a:t>26.08.2021</a:t>
+              <a:t>02.12.2025</a:t>
             </a:fld>
             <a:endParaRPr lang="nb-NO"/>
           </a:p>
@@ -341,10 +340,9 @@
           <a:lstStyle/>
           <a:p>
             <a:r>
-              <a:rPr lang="nb-NO" smtClean="0"/>
+              <a:rPr lang="nb-NO"/>
               <a:t>Klikk for å redigere tittelstil</a:t>
             </a:r>
-            <a:endParaRPr lang="nb-NO"/>
           </a:p>
         </p:txBody>
       </p:sp>
@@ -365,38 +363,37 @@
           <a:p>
             <a:pPr lvl="0"/>
             <a:r>
-              <a:rPr lang="nb-NO" smtClean="0"/>
+              <a:rPr lang="nb-NO"/>
               <a:t>Rediger tekststiler i malen</a:t>
             </a:r>
           </a:p>
           <a:p>
             <a:pPr lvl="1"/>
             <a:r>
-              <a:rPr lang="nb-NO" smtClean="0"/>
+              <a:rPr lang="nb-NO"/>
               <a:t>Andre nivå</a:t>
             </a:r>
           </a:p>
           <a:p>
             <a:pPr lvl="2"/>
             <a:r>
-              <a:rPr lang="nb-NO" smtClean="0"/>
+              <a:rPr lang="nb-NO"/>
               <a:t>Tredje nivå</a:t>
             </a:r>
           </a:p>
           <a:p>
             <a:pPr lvl="3"/>
             <a:r>
-              <a:rPr lang="nb-NO" smtClean="0"/>
+              <a:rPr lang="nb-NO"/>
               <a:t>Fjerde nivå</a:t>
             </a:r>
           </a:p>
           <a:p>
             <a:pPr lvl="4"/>
             <a:r>
-              <a:rPr lang="nb-NO" smtClean="0"/>
+              <a:rPr lang="nb-NO"/>
               <a:t>Femte nivå</a:t>
             </a:r>
-            <a:endParaRPr lang="nb-NO"/>
           </a:p>
         </p:txBody>
       </p:sp>
@@ -417,7 +414,7 @@
           <a:p>
             <a:fld id="{3D956CD3-5E70-4B5B-A926-CB5A4B0078BA}" type="datetimeFigureOut">
               <a:rPr lang="nb-NO" smtClean="0"/>
-              <a:t>26.08.2021</a:t>
+              <a:t>02.12.2025</a:t>
             </a:fld>
             <a:endParaRPr lang="nb-NO"/>
           </a:p>
@@ -516,10 +513,9 @@
           <a:lstStyle/>
           <a:p>
             <a:r>
-              <a:rPr lang="nb-NO" smtClean="0"/>
+              <a:rPr lang="nb-NO"/>
               <a:t>Klikk for å redigere tittelstil</a:t>
             </a:r>
-            <a:endParaRPr lang="nb-NO"/>
           </a:p>
         </p:txBody>
       </p:sp>
@@ -545,38 +541,37 @@
           <a:p>
             <a:pPr lvl="0"/>
             <a:r>
-              <a:rPr lang="nb-NO" smtClean="0"/>
+              <a:rPr lang="nb-NO"/>
               <a:t>Rediger tekststiler i malen</a:t>
             </a:r>
           </a:p>
           <a:p>
             <a:pPr lvl="1"/>
             <a:r>
-              <a:rPr lang="nb-NO" smtClean="0"/>
+              <a:rPr lang="nb-NO"/>
               <a:t>Andre nivå</a:t>
             </a:r>
           </a:p>
           <a:p>
             <a:pPr lvl="2"/>
             <a:r>
-              <a:rPr lang="nb-NO" smtClean="0"/>
+              <a:rPr lang="nb-NO"/>
               <a:t>Tredje nivå</a:t>
             </a:r>
           </a:p>
           <a:p>
             <a:pPr lvl="3"/>
             <a:r>
-              <a:rPr lang="nb-NO" smtClean="0"/>
+              <a:rPr lang="nb-NO"/>
               <a:t>Fjerde nivå</a:t>
             </a:r>
           </a:p>
           <a:p>
             <a:pPr lvl="4"/>
             <a:r>
-              <a:rPr lang="nb-NO" smtClean="0"/>
+              <a:rPr lang="nb-NO"/>
               <a:t>Femte nivå</a:t>
             </a:r>
-            <a:endParaRPr lang="nb-NO"/>
           </a:p>
         </p:txBody>
       </p:sp>
@@ -597,7 +592,7 @@
           <a:p>
             <a:fld id="{3D956CD3-5E70-4B5B-A926-CB5A4B0078BA}" type="datetimeFigureOut">
               <a:rPr lang="nb-NO" smtClean="0"/>
-              <a:t>26.08.2021</a:t>
+              <a:t>02.12.2025</a:t>
             </a:fld>
             <a:endParaRPr lang="nb-NO"/>
           </a:p>
@@ -691,10 +686,9 @@
           <a:lstStyle/>
           <a:p>
             <a:r>
-              <a:rPr lang="nb-NO" smtClean="0"/>
+              <a:rPr lang="nb-NO"/>
               <a:t>Klikk for å redigere tittelstil</a:t>
             </a:r>
-            <a:endParaRPr lang="nb-NO"/>
           </a:p>
         </p:txBody>
       </p:sp>
@@ -715,38 +709,37 @@
           <a:p>
             <a:pPr lvl="0"/>
             <a:r>
-              <a:rPr lang="nb-NO" smtClean="0"/>
+              <a:rPr lang="nb-NO"/>
               <a:t>Rediger tekststiler i malen</a:t>
             </a:r>
           </a:p>
           <a:p>
             <a:pPr lvl="1"/>
             <a:r>
-              <a:rPr lang="nb-NO" smtClean="0"/>
+              <a:rPr lang="nb-NO"/>
               <a:t>Andre nivå</a:t>
             </a:r>
           </a:p>
           <a:p>
             <a:pPr lvl="2"/>
             <a:r>
-              <a:rPr lang="nb-NO" smtClean="0"/>
+              <a:rPr lang="nb-NO"/>
               <a:t>Tredje nivå</a:t>
             </a:r>
           </a:p>
           <a:p>
             <a:pPr lvl="3"/>
             <a:r>
-              <a:rPr lang="nb-NO" smtClean="0"/>
+              <a:rPr lang="nb-NO"/>
               <a:t>Fjerde nivå</a:t>
             </a:r>
           </a:p>
           <a:p>
             <a:pPr lvl="4"/>
             <a:r>
-              <a:rPr lang="nb-NO" smtClean="0"/>
+              <a:rPr lang="nb-NO"/>
               <a:t>Femte nivå</a:t>
             </a:r>
-            <a:endParaRPr lang="nb-NO"/>
           </a:p>
         </p:txBody>
       </p:sp>
@@ -767,7 +760,7 @@
           <a:p>
             <a:fld id="{3D956CD3-5E70-4B5B-A926-CB5A4B0078BA}" type="datetimeFigureOut">
               <a:rPr lang="nb-NO" smtClean="0"/>
-              <a:t>26.08.2021</a:t>
+              <a:t>02.12.2025</a:t>
             </a:fld>
             <a:endParaRPr lang="nb-NO"/>
           </a:p>
@@ -870,10 +863,9 @@
           </a:lstStyle>
           <a:p>
             <a:r>
-              <a:rPr lang="nb-NO" smtClean="0"/>
+              <a:rPr lang="nb-NO"/>
               <a:t>Klikk for å redigere tittelstil</a:t>
             </a:r>
-            <a:endParaRPr lang="nb-NO"/>
           </a:p>
         </p:txBody>
       </p:sp>
@@ -990,7 +982,7 @@
           <a:p>
             <a:pPr lvl="0"/>
             <a:r>
-              <a:rPr lang="nb-NO" smtClean="0"/>
+              <a:rPr lang="nb-NO"/>
               <a:t>Rediger tekststiler i malen</a:t>
             </a:r>
           </a:p>
@@ -1013,7 +1005,7 @@
           <a:p>
             <a:fld id="{3D956CD3-5E70-4B5B-A926-CB5A4B0078BA}" type="datetimeFigureOut">
               <a:rPr lang="nb-NO" smtClean="0"/>
-              <a:t>26.08.2021</a:t>
+              <a:t>02.12.2025</a:t>
             </a:fld>
             <a:endParaRPr lang="nb-NO"/>
           </a:p>
@@ -1107,10 +1099,9 @@
           <a:lstStyle/>
           <a:p>
             <a:r>
-              <a:rPr lang="nb-NO" smtClean="0"/>
+              <a:rPr lang="nb-NO"/>
               <a:t>Klikk for å redigere tittelstil</a:t>
             </a:r>
-            <a:endParaRPr lang="nb-NO"/>
           </a:p>
         </p:txBody>
       </p:sp>
@@ -1136,38 +1127,37 @@
           <a:p>
             <a:pPr lvl="0"/>
             <a:r>
-              <a:rPr lang="nb-NO" smtClean="0"/>
+              <a:rPr lang="nb-NO"/>
               <a:t>Rediger tekststiler i malen</a:t>
             </a:r>
           </a:p>
           <a:p>
             <a:pPr lvl="1"/>
             <a:r>
-              <a:rPr lang="nb-NO" smtClean="0"/>
+              <a:rPr lang="nb-NO"/>
               <a:t>Andre nivå</a:t>
             </a:r>
           </a:p>
           <a:p>
             <a:pPr lvl="2"/>
             <a:r>
-              <a:rPr lang="nb-NO" smtClean="0"/>
+              <a:rPr lang="nb-NO"/>
               <a:t>Tredje nivå</a:t>
             </a:r>
           </a:p>
           <a:p>
             <a:pPr lvl="3"/>
             <a:r>
-              <a:rPr lang="nb-NO" smtClean="0"/>
+              <a:rPr lang="nb-NO"/>
               <a:t>Fjerde nivå</a:t>
             </a:r>
           </a:p>
           <a:p>
             <a:pPr lvl="4"/>
             <a:r>
-              <a:rPr lang="nb-NO" smtClean="0"/>
+              <a:rPr lang="nb-NO"/>
               <a:t>Femte nivå</a:t>
             </a:r>
-            <a:endParaRPr lang="nb-NO"/>
           </a:p>
         </p:txBody>
       </p:sp>
@@ -1193,38 +1183,37 @@
           <a:p>
             <a:pPr lvl="0"/>
             <a:r>
-              <a:rPr lang="nb-NO" smtClean="0"/>
+              <a:rPr lang="nb-NO"/>
               <a:t>Rediger tekststiler i malen</a:t>
             </a:r>
           </a:p>
           <a:p>
             <a:pPr lvl="1"/>
             <a:r>
-              <a:rPr lang="nb-NO" smtClean="0"/>
+              <a:rPr lang="nb-NO"/>
               <a:t>Andre nivå</a:t>
             </a:r>
           </a:p>
           <a:p>
             <a:pPr lvl="2"/>
             <a:r>
-              <a:rPr lang="nb-NO" smtClean="0"/>
+              <a:rPr lang="nb-NO"/>
               <a:t>Tredje nivå</a:t>
             </a:r>
           </a:p>
           <a:p>
             <a:pPr lvl="3"/>
             <a:r>
-              <a:rPr lang="nb-NO" smtClean="0"/>
+              <a:rPr lang="nb-NO"/>
               <a:t>Fjerde nivå</a:t>
             </a:r>
           </a:p>
           <a:p>
             <a:pPr lvl="4"/>
             <a:r>
-              <a:rPr lang="nb-NO" smtClean="0"/>
+              <a:rPr lang="nb-NO"/>
               <a:t>Femte nivå</a:t>
             </a:r>
-            <a:endParaRPr lang="nb-NO"/>
           </a:p>
         </p:txBody>
       </p:sp>
@@ -1245,7 +1234,7 @@
           <a:p>
             <a:fld id="{3D956CD3-5E70-4B5B-A926-CB5A4B0078BA}" type="datetimeFigureOut">
               <a:rPr lang="nb-NO" smtClean="0"/>
-              <a:t>26.08.2021</a:t>
+              <a:t>02.12.2025</a:t>
             </a:fld>
             <a:endParaRPr lang="nb-NO"/>
           </a:p>
@@ -1344,10 +1333,9 @@
           <a:lstStyle/>
           <a:p>
             <a:r>
-              <a:rPr lang="nb-NO" smtClean="0"/>
+              <a:rPr lang="nb-NO"/>
               <a:t>Klikk for å redigere tittelstil</a:t>
             </a:r>
-            <a:endParaRPr lang="nb-NO"/>
           </a:p>
         </p:txBody>
       </p:sp>
@@ -1410,7 +1398,7 @@
           <a:p>
             <a:pPr lvl="0"/>
             <a:r>
-              <a:rPr lang="nb-NO" smtClean="0"/>
+              <a:rPr lang="nb-NO"/>
               <a:t>Rediger tekststiler i malen</a:t>
             </a:r>
           </a:p>
@@ -1438,38 +1426,37 @@
           <a:p>
             <a:pPr lvl="0"/>
             <a:r>
-              <a:rPr lang="nb-NO" smtClean="0"/>
+              <a:rPr lang="nb-NO"/>
               <a:t>Rediger tekststiler i malen</a:t>
             </a:r>
           </a:p>
           <a:p>
             <a:pPr lvl="1"/>
             <a:r>
-              <a:rPr lang="nb-NO" smtClean="0"/>
+              <a:rPr lang="nb-NO"/>
               <a:t>Andre nivå</a:t>
             </a:r>
           </a:p>
           <a:p>
             <a:pPr lvl="2"/>
             <a:r>
-              <a:rPr lang="nb-NO" smtClean="0"/>
+              <a:rPr lang="nb-NO"/>
               <a:t>Tredje nivå</a:t>
             </a:r>
           </a:p>
           <a:p>
             <a:pPr lvl="3"/>
             <a:r>
-              <a:rPr lang="nb-NO" smtClean="0"/>
+              <a:rPr lang="nb-NO"/>
               <a:t>Fjerde nivå</a:t>
             </a:r>
           </a:p>
           <a:p>
             <a:pPr lvl="4"/>
             <a:r>
-              <a:rPr lang="nb-NO" smtClean="0"/>
+              <a:rPr lang="nb-NO"/>
               <a:t>Femte nivå</a:t>
             </a:r>
-            <a:endParaRPr lang="nb-NO"/>
           </a:p>
         </p:txBody>
       </p:sp>
@@ -1532,7 +1519,7 @@
           <a:p>
             <a:pPr lvl="0"/>
             <a:r>
-              <a:rPr lang="nb-NO" smtClean="0"/>
+              <a:rPr lang="nb-NO"/>
               <a:t>Rediger tekststiler i malen</a:t>
             </a:r>
           </a:p>
@@ -1560,38 +1547,37 @@
           <a:p>
             <a:pPr lvl="0"/>
             <a:r>
-              <a:rPr lang="nb-NO" smtClean="0"/>
+              <a:rPr lang="nb-NO"/>
               <a:t>Rediger tekststiler i malen</a:t>
             </a:r>
           </a:p>
           <a:p>
             <a:pPr lvl="1"/>
             <a:r>
-              <a:rPr lang="nb-NO" smtClean="0"/>
+              <a:rPr lang="nb-NO"/>
               <a:t>Andre nivå</a:t>
             </a:r>
           </a:p>
           <a:p>
             <a:pPr lvl="2"/>
             <a:r>
-              <a:rPr lang="nb-NO" smtClean="0"/>
+              <a:rPr lang="nb-NO"/>
               <a:t>Tredje nivå</a:t>
             </a:r>
           </a:p>
           <a:p>
             <a:pPr lvl="3"/>
             <a:r>
-              <a:rPr lang="nb-NO" smtClean="0"/>
+              <a:rPr lang="nb-NO"/>
               <a:t>Fjerde nivå</a:t>
             </a:r>
           </a:p>
           <a:p>
             <a:pPr lvl="4"/>
             <a:r>
-              <a:rPr lang="nb-NO" smtClean="0"/>
+              <a:rPr lang="nb-NO"/>
               <a:t>Femte nivå</a:t>
             </a:r>
-            <a:endParaRPr lang="nb-NO"/>
           </a:p>
         </p:txBody>
       </p:sp>
@@ -1612,7 +1598,7 @@
           <a:p>
             <a:fld id="{3D956CD3-5E70-4B5B-A926-CB5A4B0078BA}" type="datetimeFigureOut">
               <a:rPr lang="nb-NO" smtClean="0"/>
-              <a:t>26.08.2021</a:t>
+              <a:t>02.12.2025</a:t>
             </a:fld>
             <a:endParaRPr lang="nb-NO"/>
           </a:p>
@@ -1706,10 +1692,9 @@
           <a:lstStyle/>
           <a:p>
             <a:r>
-              <a:rPr lang="nb-NO" smtClean="0"/>
+              <a:rPr lang="nb-NO"/>
               <a:t>Klikk for å redigere tittelstil</a:t>
             </a:r>
-            <a:endParaRPr lang="nb-NO"/>
           </a:p>
         </p:txBody>
       </p:sp>
@@ -1730,7 +1715,7 @@
           <a:p>
             <a:fld id="{3D956CD3-5E70-4B5B-A926-CB5A4B0078BA}" type="datetimeFigureOut">
               <a:rPr lang="nb-NO" smtClean="0"/>
-              <a:t>26.08.2021</a:t>
+              <a:t>02.12.2025</a:t>
             </a:fld>
             <a:endParaRPr lang="nb-NO"/>
           </a:p>
@@ -1825,7 +1810,7 @@
           <a:p>
             <a:fld id="{3D956CD3-5E70-4B5B-A926-CB5A4B0078BA}" type="datetimeFigureOut">
               <a:rPr lang="nb-NO" smtClean="0"/>
-              <a:t>26.08.2021</a:t>
+              <a:t>02.12.2025</a:t>
             </a:fld>
             <a:endParaRPr lang="nb-NO"/>
           </a:p>
@@ -1928,10 +1913,9 @@
           </a:lstStyle>
           <a:p>
             <a:r>
-              <a:rPr lang="nb-NO" smtClean="0"/>
+              <a:rPr lang="nb-NO"/>
               <a:t>Klikk for å redigere tittelstil</a:t>
             </a:r>
-            <a:endParaRPr lang="nb-NO"/>
           </a:p>
         </p:txBody>
       </p:sp>
@@ -1985,38 +1969,37 @@
           <a:p>
             <a:pPr lvl="0"/>
             <a:r>
-              <a:rPr lang="nb-NO" smtClean="0"/>
+              <a:rPr lang="nb-NO"/>
               <a:t>Rediger tekststiler i malen</a:t>
             </a:r>
           </a:p>
           <a:p>
             <a:pPr lvl="1"/>
             <a:r>
-              <a:rPr lang="nb-NO" smtClean="0"/>
+              <a:rPr lang="nb-NO"/>
               <a:t>Andre nivå</a:t>
             </a:r>
           </a:p>
           <a:p>
             <a:pPr lvl="2"/>
             <a:r>
-              <a:rPr lang="nb-NO" smtClean="0"/>
+              <a:rPr lang="nb-NO"/>
               <a:t>Tredje nivå</a:t>
             </a:r>
           </a:p>
           <a:p>
             <a:pPr lvl="3"/>
             <a:r>
-              <a:rPr lang="nb-NO" smtClean="0"/>
+              <a:rPr lang="nb-NO"/>
               <a:t>Fjerde nivå</a:t>
             </a:r>
           </a:p>
           <a:p>
             <a:pPr lvl="4"/>
             <a:r>
-              <a:rPr lang="nb-NO" smtClean="0"/>
+              <a:rPr lang="nb-NO"/>
               <a:t>Femte nivå</a:t>
             </a:r>
-            <a:endParaRPr lang="nb-NO"/>
           </a:p>
         </p:txBody>
       </p:sp>
@@ -2079,7 +2062,7 @@
           <a:p>
             <a:pPr lvl="0"/>
             <a:r>
-              <a:rPr lang="nb-NO" smtClean="0"/>
+              <a:rPr lang="nb-NO"/>
               <a:t>Rediger tekststiler i malen</a:t>
             </a:r>
           </a:p>
@@ -2102,7 +2085,7 @@
           <a:p>
             <a:fld id="{3D956CD3-5E70-4B5B-A926-CB5A4B0078BA}" type="datetimeFigureOut">
               <a:rPr lang="nb-NO" smtClean="0"/>
-              <a:t>26.08.2021</a:t>
+              <a:t>02.12.2025</a:t>
             </a:fld>
             <a:endParaRPr lang="nb-NO"/>
           </a:p>
@@ -2205,10 +2188,9 @@
           </a:lstStyle>
           <a:p>
             <a:r>
-              <a:rPr lang="nb-NO" smtClean="0"/>
+              <a:rPr lang="nb-NO"/>
               <a:t>Klikk for å redigere tittelstil</a:t>
             </a:r>
-            <a:endParaRPr lang="nb-NO"/>
           </a:p>
         </p:txBody>
       </p:sp>
@@ -2332,7 +2314,7 @@
           <a:p>
             <a:pPr lvl="0"/>
             <a:r>
-              <a:rPr lang="nb-NO" smtClean="0"/>
+              <a:rPr lang="nb-NO"/>
               <a:t>Rediger tekststiler i malen</a:t>
             </a:r>
           </a:p>
@@ -2355,7 +2337,7 @@
           <a:p>
             <a:fld id="{3D956CD3-5E70-4B5B-A926-CB5A4B0078BA}" type="datetimeFigureOut">
               <a:rPr lang="nb-NO" smtClean="0"/>
-              <a:t>26.08.2021</a:t>
+              <a:t>02.12.2025</a:t>
             </a:fld>
             <a:endParaRPr lang="nb-NO"/>
           </a:p>
@@ -2464,10 +2446,9 @@
           <a:lstStyle/>
           <a:p>
             <a:r>
-              <a:rPr lang="nb-NO" smtClean="0"/>
+              <a:rPr lang="nb-NO"/>
               <a:t>Klikk for å redigere tittelstil</a:t>
             </a:r>
-            <a:endParaRPr lang="nb-NO"/>
           </a:p>
         </p:txBody>
       </p:sp>
@@ -2498,38 +2479,37 @@
           <a:p>
             <a:pPr lvl="0"/>
             <a:r>
-              <a:rPr lang="nb-NO" smtClean="0"/>
+              <a:rPr lang="nb-NO"/>
               <a:t>Rediger tekststiler i malen</a:t>
             </a:r>
           </a:p>
           <a:p>
             <a:pPr lvl="1"/>
             <a:r>
-              <a:rPr lang="nb-NO" smtClean="0"/>
+              <a:rPr lang="nb-NO"/>
               <a:t>Andre nivå</a:t>
             </a:r>
           </a:p>
           <a:p>
             <a:pPr lvl="2"/>
             <a:r>
-              <a:rPr lang="nb-NO" smtClean="0"/>
+              <a:rPr lang="nb-NO"/>
               <a:t>Tredje nivå</a:t>
             </a:r>
           </a:p>
           <a:p>
             <a:pPr lvl="3"/>
             <a:r>
-              <a:rPr lang="nb-NO" smtClean="0"/>
+              <a:rPr lang="nb-NO"/>
               <a:t>Fjerde nivå</a:t>
             </a:r>
           </a:p>
           <a:p>
             <a:pPr lvl="4"/>
             <a:r>
-              <a:rPr lang="nb-NO" smtClean="0"/>
+              <a:rPr lang="nb-NO"/>
               <a:t>Femte nivå</a:t>
             </a:r>
-            <a:endParaRPr lang="nb-NO"/>
           </a:p>
         </p:txBody>
       </p:sp>
@@ -2568,7 +2548,7 @@
           <a:p>
             <a:fld id="{3D956CD3-5E70-4B5B-A926-CB5A4B0078BA}" type="datetimeFigureOut">
               <a:rPr lang="nb-NO" smtClean="0"/>
-              <a:t>26.08.2021</a:t>
+              <a:t>02.12.2025</a:t>
             </a:fld>
             <a:endParaRPr lang="nb-NO"/>
           </a:p>
@@ -2996,22 +2976,9 @@
           <a:lstStyle/>
           <a:p>
             <a:r>
-              <a:rPr lang="nb-NO" dirty="0" smtClean="0"/>
-              <a:t>Skisser/bilder brukt i </a:t>
-            </a:r>
-            <a:r>
-              <a:rPr lang="nb-NO" dirty="0" smtClean="0"/>
-              <a:t>FKB-Bane </a:t>
-            </a:r>
-            <a:r>
-              <a:rPr lang="nb-NO" dirty="0" smtClean="0"/>
-              <a:t>produktspesifikasjon og </a:t>
-            </a:r>
-            <a:r>
-              <a:rPr lang="nb-NO" dirty="0" smtClean="0"/>
-              <a:t>registreringsinstruks</a:t>
-            </a:r>
-            <a:endParaRPr lang="nb-NO" dirty="0"/>
+              <a:rPr lang="nb-NO" dirty="0"/>
+              <a:t>Skisser/bilder brukt i FKB-Bane produktspesifikasjon og registreringsinstruks</a:t>
+            </a:r>
           </a:p>
         </p:txBody>
       </p:sp>
@@ -3061,10 +3028,9 @@
           <a:lstStyle/>
           <a:p>
             <a:r>
-              <a:rPr lang="nb-NO" dirty="0" smtClean="0"/>
+              <a:rPr lang="nb-NO" dirty="0"/>
               <a:t>Jernbaneplattformkant</a:t>
             </a:r>
-            <a:endParaRPr lang="nb-NO" dirty="0"/>
           </a:p>
         </p:txBody>
       </p:sp>
@@ -3201,10 +3167,9 @@
           <a:lstStyle/>
           <a:p>
             <a:r>
-              <a:rPr lang="nb-NO" dirty="0" smtClean="0"/>
+              <a:rPr lang="nb-NO" dirty="0"/>
               <a:t>Spormidt</a:t>
             </a:r>
-            <a:endParaRPr lang="nb-NO" dirty="0"/>
           </a:p>
         </p:txBody>
       </p:sp>
@@ -3341,10 +3306,9 @@
           <a:lstStyle/>
           <a:p>
             <a:r>
-              <a:rPr lang="nb-NO" dirty="0" smtClean="0"/>
+              <a:rPr lang="nb-NO" dirty="0"/>
               <a:t>Spormidt</a:t>
             </a:r>
-            <a:endParaRPr lang="nb-NO" dirty="0"/>
           </a:p>
         </p:txBody>
       </p:sp>
@@ -3481,10 +3445,9 @@
           <a:lstStyle/>
           <a:p>
             <a:r>
-              <a:rPr lang="nb-NO" dirty="0" smtClean="0"/>
+              <a:rPr lang="nb-NO" dirty="0"/>
               <a:t>Spormidt</a:t>
             </a:r>
-            <a:endParaRPr lang="nb-NO" dirty="0"/>
           </a:p>
         </p:txBody>
       </p:sp>
@@ -3553,7 +3516,7 @@
       </p:sp>
       <p:pic>
         <p:nvPicPr>
-          <p:cNvPr id="3" name="Bilde 2"/>
+          <p:cNvPr id="4" name="Bilde 3"/>
           <p:cNvPicPr>
             <a:picLocks noChangeAspect="1"/>
           </p:cNvPicPr>
@@ -3561,30 +3524,6 @@
         </p:nvPicPr>
         <p:blipFill>
           <a:blip r:embed="rId2"/>
-          <a:stretch>
-            <a:fillRect/>
-          </a:stretch>
-        </p:blipFill>
-        <p:spPr>
-          <a:xfrm>
-            <a:off x="4119111" y="670312"/>
-            <a:ext cx="6468378" cy="2943636"/>
-          </a:xfrm>
-          <a:prstGeom prst="rect">
-            <a:avLst/>
-          </a:prstGeom>
-        </p:spPr>
-      </p:pic>
-      <p:pic>
-        <p:nvPicPr>
-          <p:cNvPr id="4" name="Bilde 3"/>
-          <p:cNvPicPr>
-            <a:picLocks noChangeAspect="1"/>
-          </p:cNvPicPr>
-          <p:nvPr/>
-        </p:nvPicPr>
-        <p:blipFill>
-          <a:blip r:embed="rId3"/>
           <a:stretch>
             <a:fillRect/>
           </a:stretch>
@@ -3603,6 +3542,144 @@
     <p:extLst>
       <p:ext uri="{BB962C8B-B14F-4D97-AF65-F5344CB8AC3E}">
         <p14:creationId xmlns:p14="http://schemas.microsoft.com/office/powerpoint/2010/main" val="2169703476"/>
+      </p:ext>
+    </p:extLst>
+  </p:cSld>
+  <p:clrMapOvr>
+    <a:masterClrMapping/>
+  </p:clrMapOvr>
+</p:sld>
+</file>
+
+<file path=ppt/slides/slide6.xml><?xml version="1.0" encoding="utf-8"?>
+<p:sld xmlns:a="http://schemas.openxmlformats.org/drawingml/2006/main" xmlns:r="http://schemas.openxmlformats.org/officeDocument/2006/relationships" xmlns:p="http://schemas.openxmlformats.org/presentationml/2006/main">
+  <p:cSld>
+    <p:spTree>
+      <p:nvGrpSpPr>
+        <p:cNvPr id="1" name=""/>
+        <p:cNvGrpSpPr/>
+        <p:nvPr/>
+      </p:nvGrpSpPr>
+      <p:grpSpPr>
+        <a:xfrm>
+          <a:off x="0" y="0"/>
+          <a:ext cx="0" cy="0"/>
+          <a:chOff x="0" y="0"/>
+          <a:chExt cx="0" cy="0"/>
+        </a:xfrm>
+      </p:grpSpPr>
+      <p:pic>
+        <p:nvPicPr>
+          <p:cNvPr id="3" name="Bilde 2">
+            <a:extLst>
+              <a:ext uri="{FF2B5EF4-FFF2-40B4-BE49-F238E27FC236}">
+                <a16:creationId xmlns:a16="http://schemas.microsoft.com/office/drawing/2014/main" id="{87238DB2-35F5-E25F-2100-35880DF493F0}"/>
+              </a:ext>
+            </a:extLst>
+          </p:cNvPr>
+          <p:cNvPicPr>
+            <a:picLocks noChangeAspect="1"/>
+          </p:cNvPicPr>
+          <p:nvPr/>
+        </p:nvPicPr>
+        <p:blipFill>
+          <a:blip r:embed="rId2">
+            <a:extLst>
+              <a:ext uri="{28A0092B-C50C-407E-A947-70E740481C1C}">
+                <a14:useLocalDpi xmlns:a14="http://schemas.microsoft.com/office/drawing/2010/main" val="0"/>
+              </a:ext>
+            </a:extLst>
+          </a:blip>
+          <a:srcRect b="1063"/>
+          <a:stretch>
+            <a:fillRect/>
+          </a:stretch>
+        </p:blipFill>
+        <p:spPr>
+          <a:xfrm>
+            <a:off x="6096000" y="2442264"/>
+            <a:ext cx="3290172" cy="2497420"/>
+          </a:xfrm>
+          <a:prstGeom prst="rect">
+            <a:avLst/>
+          </a:prstGeom>
+        </p:spPr>
+      </p:pic>
+      <p:pic>
+        <p:nvPicPr>
+          <p:cNvPr id="5" name="Bilde 4" descr="Et bilde som inneholder utendørs, skjermbilde, luftfartøy, grunn&#10;&#10;KI-generert innhold kan være feil.">
+            <a:extLst>
+              <a:ext uri="{FF2B5EF4-FFF2-40B4-BE49-F238E27FC236}">
+                <a16:creationId xmlns:a16="http://schemas.microsoft.com/office/drawing/2014/main" id="{AF8E8B02-2A8D-EF08-7961-9A3DC4BDB5CE}"/>
+              </a:ext>
+            </a:extLst>
+          </p:cNvPr>
+          <p:cNvPicPr>
+            <a:picLocks noChangeAspect="1"/>
+          </p:cNvPicPr>
+          <p:nvPr/>
+        </p:nvPicPr>
+        <p:blipFill>
+          <a:blip r:embed="rId3">
+            <a:extLst>
+              <a:ext uri="{28A0092B-C50C-407E-A947-70E740481C1C}">
+                <a14:useLocalDpi xmlns:a14="http://schemas.microsoft.com/office/drawing/2010/main" val="0"/>
+              </a:ext>
+            </a:extLst>
+          </a:blip>
+          <a:stretch>
+            <a:fillRect/>
+          </a:stretch>
+        </p:blipFill>
+        <p:spPr>
+          <a:xfrm>
+            <a:off x="1222144" y="2442264"/>
+            <a:ext cx="4873856" cy="2497420"/>
+          </a:xfrm>
+          <a:prstGeom prst="rect">
+            <a:avLst/>
+          </a:prstGeom>
+        </p:spPr>
+      </p:pic>
+      <p:sp>
+        <p:nvSpPr>
+          <p:cNvPr id="6" name="TekstSylinder 5">
+            <a:extLst>
+              <a:ext uri="{FF2B5EF4-FFF2-40B4-BE49-F238E27FC236}">
+                <a16:creationId xmlns:a16="http://schemas.microsoft.com/office/drawing/2014/main" id="{1B5054DE-51AA-AAED-6465-9D434F9091B0}"/>
+              </a:ext>
+            </a:extLst>
+          </p:cNvPr>
+          <p:cNvSpPr txBox="1"/>
+          <p:nvPr/>
+        </p:nvSpPr>
+        <p:spPr>
+          <a:xfrm>
+            <a:off x="1947333" y="965200"/>
+            <a:ext cx="7755467" cy="369332"/>
+          </a:xfrm>
+          <a:prstGeom prst="rect">
+            <a:avLst/>
+          </a:prstGeom>
+          <a:noFill/>
+        </p:spPr>
+        <p:txBody>
+          <a:bodyPr wrap="square" rtlCol="0">
+            <a:spAutoFit/>
+          </a:bodyPr>
+          <a:lstStyle/>
+          <a:p>
+            <a:r>
+              <a:rPr lang="nb-NO" dirty="0"/>
+              <a:t>Spormidt3</a:t>
+            </a:r>
+          </a:p>
+        </p:txBody>
+      </p:sp>
+    </p:spTree>
+    <p:extLst>
+      <p:ext uri="{BB962C8B-B14F-4D97-AF65-F5344CB8AC3E}">
+        <p14:creationId xmlns:p14="http://schemas.microsoft.com/office/powerpoint/2010/main" val="1213025848"/>
       </p:ext>
     </p:extLst>
   </p:cSld>
